--- a/INTRO Recap SW2-1.pptx
+++ b/INTRO Recap SW2-1.pptx
@@ -117,7 +117,18 @@
   </p:defaultTextStyle>
   <p:extLst>
     <p:ext uri="{EFAFB233-063F-42B5-8137-9DF3F51BA10A}">
-      <p15:sldGuideLst xmlns:p15="http://schemas.microsoft.com/office/powerpoint/2012/main" xmlns=""/>
+      <p15:sldGuideLst xmlns:p15="http://schemas.microsoft.com/office/powerpoint/2012/main">
+        <p15:guide id="1" orient="horz" pos="2160">
+          <p15:clr>
+            <a:srgbClr val="A4A3A4"/>
+          </p15:clr>
+        </p15:guide>
+        <p15:guide id="2" pos="3840">
+          <p15:clr>
+            <a:srgbClr val="A4A3A4"/>
+          </p15:clr>
+        </p15:guide>
+      </p15:sldGuideLst>
     </p:ext>
   </p:extLst>
 </p:presentation>
@@ -350,7 +361,7 @@
             <a:fld id="{4BDF68E2-58F2-4D09-BE8B-E3BD06533059}" type="datetimeFigureOut">
               <a:rPr lang="en-US" dirty="0"/>
               <a:pPr/>
-              <a:t>10/6/2016</a:t>
+              <a:t>10/6/16</a:t>
             </a:fld>
             <a:endParaRPr lang="en-US" dirty="0"/>
           </a:p>
@@ -555,7 +566,7 @@
             <a:fld id="{2E2D6473-DF6D-4702-B328-E0DD40540A4E}" type="datetimeFigureOut">
               <a:rPr lang="en-US" dirty="0"/>
               <a:pPr/>
-              <a:t>10/6/2016</a:t>
+              <a:t>10/6/16</a:t>
             </a:fld>
             <a:endParaRPr lang="en-US" dirty="0"/>
           </a:p>
@@ -808,7 +819,7 @@
             <a:fld id="{E26F7E3A-B166-407D-9866-32884E7D5B37}" type="datetimeFigureOut">
               <a:rPr lang="en-US" dirty="0"/>
               <a:pPr/>
-              <a:t>10/6/2016</a:t>
+              <a:t>10/6/16</a:t>
             </a:fld>
             <a:endParaRPr lang="en-US" dirty="0"/>
           </a:p>
@@ -979,7 +990,7 @@
             <a:fld id="{528FC5F6-F338-4AE4-BB23-26385BCFC423}" type="datetimeFigureOut">
               <a:rPr lang="en-US" dirty="0"/>
               <a:pPr/>
-              <a:t>10/6/2016</a:t>
+              <a:t>10/6/16</a:t>
             </a:fld>
             <a:endParaRPr lang="en-US" dirty="0"/>
           </a:p>
@@ -1319,7 +1330,7 @@
             <a:fld id="{20EBB0C4-6273-4C6E-B9BD-2EDC30F1CD52}" type="datetimeFigureOut">
               <a:rPr lang="en-US" dirty="0"/>
               <a:pPr/>
-              <a:t>10/6/2016</a:t>
+              <a:t>10/6/16</a:t>
             </a:fld>
             <a:endParaRPr lang="en-US" dirty="0"/>
           </a:p>
@@ -1591,7 +1602,7 @@
             <a:fld id="{19AB4D41-86C1-4908-B66A-0B50CEB3BF29}" type="datetimeFigureOut">
               <a:rPr lang="en-US" dirty="0"/>
               <a:pPr/>
-              <a:t>10/6/2016</a:t>
+              <a:t>10/6/16</a:t>
             </a:fld>
             <a:endParaRPr lang="en-US" dirty="0"/>
           </a:p>
@@ -1967,7 +1978,7 @@
             <a:fld id="{E6426E2C-56C1-4E0D-A793-0088A7FDD37E}" type="datetimeFigureOut">
               <a:rPr lang="en-US" dirty="0"/>
               <a:pPr/>
-              <a:t>10/6/2016</a:t>
+              <a:t>10/6/16</a:t>
             </a:fld>
             <a:endParaRPr lang="en-US" dirty="0"/>
           </a:p>
@@ -2082,7 +2093,7 @@
             <a:fld id="{C8C39B41-D8B5-4052-B551-9B5525EAA8B6}" type="datetimeFigureOut">
               <a:rPr lang="en-US" dirty="0"/>
               <a:pPr/>
-              <a:t>10/6/2016</a:t>
+              <a:t>10/6/16</a:t>
             </a:fld>
             <a:endParaRPr lang="en-US" dirty="0"/>
           </a:p>
@@ -2250,7 +2261,7 @@
             <a:fld id="{4D94136C-8742-45B2-AF27-D93DF72833A9}" type="datetimeFigureOut">
               <a:rPr lang="en-US" dirty="0"/>
               <a:pPr/>
-              <a:t>10/6/2016</a:t>
+              <a:t>10/6/16</a:t>
             </a:fld>
             <a:endParaRPr lang="en-US" dirty="0"/>
           </a:p>
@@ -2601,7 +2612,7 @@
             <a:fld id="{32ABBEA6-7C60-4B02-AE87-00D78D8422AF}" type="datetimeFigureOut">
               <a:rPr lang="en-US" dirty="0"/>
               <a:pPr/>
-              <a:t>10/6/2016</a:t>
+              <a:t>10/6/16</a:t>
             </a:fld>
             <a:endParaRPr lang="en-US" dirty="0"/>
           </a:p>
@@ -2977,7 +2988,7 @@
             <a:fld id="{C9CAD897-D46E-4AD2-BD9B-49DD3E640873}" type="datetimeFigureOut">
               <a:rPr lang="en-US" dirty="0"/>
               <a:pPr/>
-              <a:t>10/6/2016</a:t>
+              <a:t>10/6/16</a:t>
             </a:fld>
             <a:endParaRPr lang="en-US" dirty="0"/>
           </a:p>
@@ -3261,7 +3272,7 @@
             <a:fld id="{98624D31-43A5-475A-80CF-332C9F6DCF35}" type="datetimeFigureOut">
               <a:rPr lang="en-US" dirty="0"/>
               <a:pPr/>
-              <a:t>10/6/2016</a:t>
+              <a:t>10/6/16</a:t>
             </a:fld>
             <a:endParaRPr lang="en-US" dirty="0"/>
           </a:p>
@@ -3986,7 +3997,7 @@
     </p:spTree>
     <p:extLst>
       <p:ext uri="{BB962C8B-B14F-4D97-AF65-F5344CB8AC3E}">
-        <p14:creationId xmlns:p14="http://schemas.microsoft.com/office/powerpoint/2010/main" xmlns="" val="502009205"/>
+        <p14:creationId xmlns:p14="http://schemas.microsoft.com/office/powerpoint/2010/main" val="502009205"/>
       </p:ext>
     </p:extLst>
   </p:cSld>
@@ -4051,6 +4062,10 @@
           <a:bodyPr/>
           <a:lstStyle/>
           <a:p>
+            <a:r>
+              <a:rPr lang="de-DE" smtClean="0"/>
+              <a:t>Hallo</a:t>
+            </a:r>
             <a:endParaRPr lang="de-DE" dirty="0"/>
           </a:p>
         </p:txBody>
@@ -4204,7 +4219,7 @@
     </p:spTree>
     <p:extLst>
       <p:ext uri="{BB962C8B-B14F-4D97-AF65-F5344CB8AC3E}">
-        <p14:creationId xmlns:p14="http://schemas.microsoft.com/office/powerpoint/2010/main" xmlns="" val="745419867"/>
+        <p14:creationId xmlns:p14="http://schemas.microsoft.com/office/powerpoint/2010/main" val="745419867"/>
       </p:ext>
     </p:extLst>
   </p:cSld>
@@ -4269,7 +4284,7 @@
           <a:bodyPr/>
           <a:lstStyle/>
           <a:p>
-            <a:endParaRPr lang="de-DE"/>
+            <a:endParaRPr lang="de-DE" dirty="0"/>
           </a:p>
         </p:txBody>
       </p:sp>
@@ -4422,7 +4437,7 @@
     </p:spTree>
     <p:extLst>
       <p:ext uri="{BB962C8B-B14F-4D97-AF65-F5344CB8AC3E}">
-        <p14:creationId xmlns:p14="http://schemas.microsoft.com/office/powerpoint/2010/main" xmlns="" val="1166412523"/>
+        <p14:creationId xmlns:p14="http://schemas.microsoft.com/office/powerpoint/2010/main" val="1166412523"/>
       </p:ext>
     </p:extLst>
   </p:cSld>
@@ -4672,7 +4687,7 @@
     </p:spTree>
     <p:extLst>
       <p:ext uri="{BB962C8B-B14F-4D97-AF65-F5344CB8AC3E}">
-        <p14:creationId xmlns:p14="http://schemas.microsoft.com/office/powerpoint/2010/main" xmlns="" val="725656246"/>
+        <p14:creationId xmlns:p14="http://schemas.microsoft.com/office/powerpoint/2010/main" val="725656246"/>
       </p:ext>
     </p:extLst>
   </p:cSld>
@@ -4934,7 +4949,7 @@
     </p:spTree>
     <p:extLst>
       <p:ext uri="{BB962C8B-B14F-4D97-AF65-F5344CB8AC3E}">
-        <p14:creationId xmlns:p14="http://schemas.microsoft.com/office/powerpoint/2010/main" xmlns="" val="1932524698"/>
+        <p14:creationId xmlns:p14="http://schemas.microsoft.com/office/powerpoint/2010/main" val="1932524698"/>
       </p:ext>
     </p:extLst>
   </p:cSld>
@@ -5002,7 +5017,7 @@
           <a:blip r:embed="rId2">
             <a:extLst>
               <a:ext uri="{28A0092B-C50C-407E-A947-70E740481C1C}">
-                <a14:useLocalDpi xmlns:a14="http://schemas.microsoft.com/office/drawing/2010/main" xmlns="" val="0"/>
+                <a14:useLocalDpi xmlns:a14="http://schemas.microsoft.com/office/drawing/2010/main" val="0"/>
               </a:ext>
             </a:extLst>
           </a:blip>
@@ -5166,7 +5181,7 @@
     </p:spTree>
     <p:extLst>
       <p:ext uri="{BB962C8B-B14F-4D97-AF65-F5344CB8AC3E}">
-        <p14:creationId xmlns:p14="http://schemas.microsoft.com/office/powerpoint/2010/main" xmlns="" val="1499527294"/>
+        <p14:creationId xmlns:p14="http://schemas.microsoft.com/office/powerpoint/2010/main" val="1499527294"/>
       </p:ext>
     </p:extLst>
   </p:cSld>
@@ -5238,7 +5253,7 @@
           <a:blip r:embed="rId2">
             <a:extLst>
               <a:ext uri="{28A0092B-C50C-407E-A947-70E740481C1C}">
-                <a14:useLocalDpi xmlns:a14="http://schemas.microsoft.com/office/drawing/2010/main" xmlns="" val="0"/>
+                <a14:useLocalDpi xmlns:a14="http://schemas.microsoft.com/office/drawing/2010/main" val="0"/>
               </a:ext>
             </a:extLst>
           </a:blip>
@@ -5411,7 +5426,7 @@
           <a:blip r:embed="rId3">
             <a:extLst>
               <a:ext uri="{28A0092B-C50C-407E-A947-70E740481C1C}">
-                <a14:useLocalDpi xmlns:a14="http://schemas.microsoft.com/office/drawing/2010/main" xmlns="" val="0"/>
+                <a14:useLocalDpi xmlns:a14="http://schemas.microsoft.com/office/drawing/2010/main" val="0"/>
               </a:ext>
             </a:extLst>
           </a:blip>
@@ -5441,7 +5456,7 @@
           <a:blip r:embed="rId4">
             <a:extLst>
               <a:ext uri="{28A0092B-C50C-407E-A947-70E740481C1C}">
-                <a14:useLocalDpi xmlns:a14="http://schemas.microsoft.com/office/drawing/2010/main" xmlns="" val="0"/>
+                <a14:useLocalDpi xmlns:a14="http://schemas.microsoft.com/office/drawing/2010/main" val="0"/>
               </a:ext>
             </a:extLst>
           </a:blip>
@@ -5471,7 +5486,7 @@
           <a:blip r:embed="rId5">
             <a:extLst>
               <a:ext uri="{28A0092B-C50C-407E-A947-70E740481C1C}">
-                <a14:useLocalDpi xmlns:a14="http://schemas.microsoft.com/office/drawing/2010/main" xmlns="" val="0"/>
+                <a14:useLocalDpi xmlns:a14="http://schemas.microsoft.com/office/drawing/2010/main" val="0"/>
               </a:ext>
             </a:extLst>
           </a:blip>
@@ -5501,7 +5516,7 @@
           <a:blip r:embed="rId6">
             <a:extLst>
               <a:ext uri="{28A0092B-C50C-407E-A947-70E740481C1C}">
-                <a14:useLocalDpi xmlns:a14="http://schemas.microsoft.com/office/drawing/2010/main" xmlns="" val="0"/>
+                <a14:useLocalDpi xmlns:a14="http://schemas.microsoft.com/office/drawing/2010/main" val="0"/>
               </a:ext>
             </a:extLst>
           </a:blip>
@@ -5522,7 +5537,7 @@
     </p:spTree>
     <p:extLst>
       <p:ext uri="{BB962C8B-B14F-4D97-AF65-F5344CB8AC3E}">
-        <p14:creationId xmlns:p14="http://schemas.microsoft.com/office/powerpoint/2010/main" xmlns="" val="1101803765"/>
+        <p14:creationId xmlns:p14="http://schemas.microsoft.com/office/powerpoint/2010/main" val="1101803765"/>
       </p:ext>
     </p:extLst>
   </p:cSld>
@@ -5590,7 +5605,7 @@
           <a:blip r:embed="rId2">
             <a:extLst>
               <a:ext uri="{28A0092B-C50C-407E-A947-70E740481C1C}">
-                <a14:useLocalDpi xmlns:a14="http://schemas.microsoft.com/office/drawing/2010/main" xmlns="" val="0"/>
+                <a14:useLocalDpi xmlns:a14="http://schemas.microsoft.com/office/drawing/2010/main" val="0"/>
               </a:ext>
             </a:extLst>
           </a:blip>
@@ -5754,7 +5769,7 @@
     </p:spTree>
     <p:extLst>
       <p:ext uri="{BB962C8B-B14F-4D97-AF65-F5344CB8AC3E}">
-        <p14:creationId xmlns:p14="http://schemas.microsoft.com/office/powerpoint/2010/main" xmlns="" val="463669475"/>
+        <p14:creationId xmlns:p14="http://schemas.microsoft.com/office/powerpoint/2010/main" val="463669475"/>
       </p:ext>
     </p:extLst>
   </p:cSld>
@@ -5968,7 +5983,7 @@
     </p:spTree>
     <p:extLst>
       <p:ext uri="{BB962C8B-B14F-4D97-AF65-F5344CB8AC3E}">
-        <p14:creationId xmlns:p14="http://schemas.microsoft.com/office/powerpoint/2010/main" xmlns="" val="367226396"/>
+        <p14:creationId xmlns:p14="http://schemas.microsoft.com/office/powerpoint/2010/main" val="367226396"/>
       </p:ext>
     </p:extLst>
   </p:cSld>
@@ -6182,7 +6197,7 @@
     </p:spTree>
     <p:extLst>
       <p:ext uri="{BB962C8B-B14F-4D97-AF65-F5344CB8AC3E}">
-        <p14:creationId xmlns:p14="http://schemas.microsoft.com/office/powerpoint/2010/main" xmlns="" val="1884688495"/>
+        <p14:creationId xmlns:p14="http://schemas.microsoft.com/office/powerpoint/2010/main" val="1884688495"/>
       </p:ext>
     </p:extLst>
   </p:cSld>
@@ -6396,7 +6411,7 @@
     </p:spTree>
     <p:extLst>
       <p:ext uri="{BB962C8B-B14F-4D97-AF65-F5344CB8AC3E}">
-        <p14:creationId xmlns:p14="http://schemas.microsoft.com/office/powerpoint/2010/main" xmlns="" val="2085577770"/>
+        <p14:creationId xmlns:p14="http://schemas.microsoft.com/office/powerpoint/2010/main" val="2085577770"/>
       </p:ext>
     </p:extLst>
   </p:cSld>
@@ -6656,7 +6671,7 @@
     </p:spTree>
     <p:extLst>
       <p:ext uri="{BB962C8B-B14F-4D97-AF65-F5344CB8AC3E}">
-        <p14:creationId xmlns:p14="http://schemas.microsoft.com/office/powerpoint/2010/main" xmlns="" val="1860487688"/>
+        <p14:creationId xmlns:p14="http://schemas.microsoft.com/office/powerpoint/2010/main" val="1860487688"/>
       </p:ext>
     </p:extLst>
   </p:cSld>
@@ -6943,7 +6958,7 @@
   <a:extraClrSchemeLst/>
   <a:extLst>
     <a:ext uri="{05A4C25C-085E-4340-85A3-A5531E510DB2}">
-      <thm15:themeFamily xmlns:thm15="http://schemas.microsoft.com/office/thememl/2012/main" xmlns="" name="Retrospect" id="{5F128B03-DCCA-4EEB-AB3B-CF2899314A46}" vid="{3F1AAB62-24C6-49D2-8E01-B56FAC9A3DCD}"/>
+      <thm15:themeFamily xmlns:thm15="http://schemas.microsoft.com/office/thememl/2012/main" name="Retrospect" id="{5F128B03-DCCA-4EEB-AB3B-CF2899314A46}" vid="{3F1AAB62-24C6-49D2-8E01-B56FAC9A3DCD}"/>
     </a:ext>
   </a:extLst>
 </a:theme>
